--- a/Informasi Spesialite Obat.pptx
+++ b/Informasi Spesialite Obat.pptx
@@ -304,7 +304,7 @@
           <a:p>
             <a:fld id="{2465B147-FE32-40EF-ADBD-C425682FCB59}" type="datetimeFigureOut">
               <a:rPr lang="en-ID" smtClean="0"/>
-              <a:t>26/04/2022</a:t>
+              <a:t>14/05/2022</a:t>
             </a:fld>
             <a:endParaRPr lang="en-ID"/>
           </a:p>
@@ -642,7 +642,7 @@
           <a:p>
             <a:fld id="{2465B147-FE32-40EF-ADBD-C425682FCB59}" type="datetimeFigureOut">
               <a:rPr lang="en-ID" smtClean="0"/>
-              <a:t>26/04/2022</a:t>
+              <a:t>14/05/2022</a:t>
             </a:fld>
             <a:endParaRPr lang="en-ID"/>
           </a:p>
@@ -1043,7 +1043,7 @@
           <a:p>
             <a:fld id="{2465B147-FE32-40EF-ADBD-C425682FCB59}" type="datetimeFigureOut">
               <a:rPr lang="en-ID" smtClean="0"/>
-              <a:t>26/04/2022</a:t>
+              <a:t>14/05/2022</a:t>
             </a:fld>
             <a:endParaRPr lang="en-ID"/>
           </a:p>
@@ -1379,7 +1379,7 @@
           <a:p>
             <a:fld id="{2465B147-FE32-40EF-ADBD-C425682FCB59}" type="datetimeFigureOut">
               <a:rPr lang="en-ID" smtClean="0"/>
-              <a:t>26/04/2022</a:t>
+              <a:t>14/05/2022</a:t>
             </a:fld>
             <a:endParaRPr lang="en-ID"/>
           </a:p>
@@ -1699,7 +1699,7 @@
           <a:p>
             <a:fld id="{2465B147-FE32-40EF-ADBD-C425682FCB59}" type="datetimeFigureOut">
               <a:rPr lang="en-ID" smtClean="0"/>
-              <a:t>26/04/2022</a:t>
+              <a:t>14/05/2022</a:t>
             </a:fld>
             <a:endParaRPr lang="en-ID"/>
           </a:p>
@@ -2095,7 +2095,7 @@
           <a:p>
             <a:fld id="{2465B147-FE32-40EF-ADBD-C425682FCB59}" type="datetimeFigureOut">
               <a:rPr lang="en-ID" smtClean="0"/>
-              <a:t>26/04/2022</a:t>
+              <a:t>14/05/2022</a:t>
             </a:fld>
             <a:endParaRPr lang="en-ID"/>
           </a:p>
@@ -2352,7 +2352,7 @@
           <a:p>
             <a:fld id="{2465B147-FE32-40EF-ADBD-C425682FCB59}" type="datetimeFigureOut">
               <a:rPr lang="en-ID" smtClean="0"/>
-              <a:t>26/04/2022</a:t>
+              <a:t>14/05/2022</a:t>
             </a:fld>
             <a:endParaRPr lang="en-ID"/>
           </a:p>
@@ -2614,7 +2614,7 @@
           <a:p>
             <a:fld id="{2465B147-FE32-40EF-ADBD-C425682FCB59}" type="datetimeFigureOut">
               <a:rPr lang="en-ID" smtClean="0"/>
-              <a:t>26/04/2022</a:t>
+              <a:t>14/05/2022</a:t>
             </a:fld>
             <a:endParaRPr lang="en-ID"/>
           </a:p>
@@ -2876,7 +2876,7 @@
           <a:p>
             <a:fld id="{2465B147-FE32-40EF-ADBD-C425682FCB59}" type="datetimeFigureOut">
               <a:rPr lang="en-ID" smtClean="0"/>
-              <a:t>26/04/2022</a:t>
+              <a:t>14/05/2022</a:t>
             </a:fld>
             <a:endParaRPr lang="en-ID"/>
           </a:p>
@@ -3205,7 +3205,7 @@
           <a:p>
             <a:fld id="{2465B147-FE32-40EF-ADBD-C425682FCB59}" type="datetimeFigureOut">
               <a:rPr lang="en-ID" smtClean="0"/>
-              <a:t>26/04/2022</a:t>
+              <a:t>14/05/2022</a:t>
             </a:fld>
             <a:endParaRPr lang="en-ID"/>
           </a:p>
@@ -3528,7 +3528,7 @@
           <a:p>
             <a:fld id="{2465B147-FE32-40EF-ADBD-C425682FCB59}" type="datetimeFigureOut">
               <a:rPr lang="en-ID" smtClean="0"/>
-              <a:t>26/04/2022</a:t>
+              <a:t>14/05/2022</a:t>
             </a:fld>
             <a:endParaRPr lang="en-ID"/>
           </a:p>
@@ -3985,7 +3985,7 @@
           <a:p>
             <a:fld id="{2465B147-FE32-40EF-ADBD-C425682FCB59}" type="datetimeFigureOut">
               <a:rPr lang="en-ID" smtClean="0"/>
-              <a:t>26/04/2022</a:t>
+              <a:t>14/05/2022</a:t>
             </a:fld>
             <a:endParaRPr lang="en-ID"/>
           </a:p>
@@ -4190,7 +4190,7 @@
           <a:p>
             <a:fld id="{2465B147-FE32-40EF-ADBD-C425682FCB59}" type="datetimeFigureOut">
               <a:rPr lang="en-ID" smtClean="0"/>
-              <a:t>26/04/2022</a:t>
+              <a:t>14/05/2022</a:t>
             </a:fld>
             <a:endParaRPr lang="en-ID"/>
           </a:p>
@@ -4367,7 +4367,7 @@
           <a:p>
             <a:fld id="{2465B147-FE32-40EF-ADBD-C425682FCB59}" type="datetimeFigureOut">
               <a:rPr lang="en-ID" smtClean="0"/>
-              <a:t>26/04/2022</a:t>
+              <a:t>14/05/2022</a:t>
             </a:fld>
             <a:endParaRPr lang="en-ID"/>
           </a:p>
@@ -4700,7 +4700,7 @@
           <a:p>
             <a:fld id="{2465B147-FE32-40EF-ADBD-C425682FCB59}" type="datetimeFigureOut">
               <a:rPr lang="en-ID" smtClean="0"/>
-              <a:t>26/04/2022</a:t>
+              <a:t>14/05/2022</a:t>
             </a:fld>
             <a:endParaRPr lang="en-ID"/>
           </a:p>
@@ -5045,7 +5045,7 @@
           <a:p>
             <a:fld id="{2465B147-FE32-40EF-ADBD-C425682FCB59}" type="datetimeFigureOut">
               <a:rPr lang="en-ID" smtClean="0"/>
-              <a:t>26/04/2022</a:t>
+              <a:t>14/05/2022</a:t>
             </a:fld>
             <a:endParaRPr lang="en-ID"/>
           </a:p>
@@ -7162,7 +7162,7 @@
           <a:p>
             <a:fld id="{2465B147-FE32-40EF-ADBD-C425682FCB59}" type="datetimeFigureOut">
               <a:rPr lang="en-ID" smtClean="0"/>
-              <a:t>26/04/2022</a:t>
+              <a:t>14/05/2022</a:t>
             </a:fld>
             <a:endParaRPr lang="en-ID"/>
           </a:p>
@@ -9735,10 +9735,10 @@
       </p:sp>
       <p:pic>
         <p:nvPicPr>
-          <p:cNvPr id="7" name="Content Placeholder 6">
+          <p:cNvPr id="6" name="Content Placeholder 5">
             <a:extLst>
               <a:ext uri="{FF2B5EF4-FFF2-40B4-BE49-F238E27FC236}">
-                <a16:creationId xmlns:a16="http://schemas.microsoft.com/office/drawing/2014/main" id="{4F7F3EC4-E0BB-4CCA-AEE5-AC789300CAB1}"/>
+                <a16:creationId xmlns:a16="http://schemas.microsoft.com/office/drawing/2014/main" id="{CD759407-3189-41A7-9127-404FD337E2F2}"/>
               </a:ext>
             </a:extLst>
           </p:cNvPr>
@@ -9763,8 +9763,8 @@
         </p:blipFill>
         <p:spPr>
           <a:xfrm>
-            <a:off x="180110" y="1163782"/>
-            <a:ext cx="11914908" cy="5694218"/>
+            <a:off x="1551710" y="1340884"/>
+            <a:ext cx="8562108" cy="5321412"/>
           </a:xfrm>
         </p:spPr>
       </p:pic>

--- a/Informasi Spesialite Obat.pptx
+++ b/Informasi Spesialite Obat.pptx
@@ -9,7 +9,9 @@
     <p:sldId id="261" r:id="rId3"/>
     <p:sldId id="257" r:id="rId4"/>
     <p:sldId id="259" r:id="rId5"/>
-    <p:sldId id="260" r:id="rId6"/>
+    <p:sldId id="262" r:id="rId6"/>
+    <p:sldId id="263" r:id="rId7"/>
+    <p:sldId id="264" r:id="rId8"/>
   </p:sldIdLst>
   <p:sldSz cx="12192000" cy="6858000"/>
   <p:notesSz cx="6858000" cy="9144000"/>
@@ -304,7 +306,7 @@
           <a:p>
             <a:fld id="{2465B147-FE32-40EF-ADBD-C425682FCB59}" type="datetimeFigureOut">
               <a:rPr lang="en-ID" smtClean="0"/>
-              <a:t>14/05/2022</a:t>
+              <a:t>19/05/2022</a:t>
             </a:fld>
             <a:endParaRPr lang="en-ID"/>
           </a:p>
@@ -642,7 +644,7 @@
           <a:p>
             <a:fld id="{2465B147-FE32-40EF-ADBD-C425682FCB59}" type="datetimeFigureOut">
               <a:rPr lang="en-ID" smtClean="0"/>
-              <a:t>14/05/2022</a:t>
+              <a:t>19/05/2022</a:t>
             </a:fld>
             <a:endParaRPr lang="en-ID"/>
           </a:p>
@@ -1043,7 +1045,7 @@
           <a:p>
             <a:fld id="{2465B147-FE32-40EF-ADBD-C425682FCB59}" type="datetimeFigureOut">
               <a:rPr lang="en-ID" smtClean="0"/>
-              <a:t>14/05/2022</a:t>
+              <a:t>19/05/2022</a:t>
             </a:fld>
             <a:endParaRPr lang="en-ID"/>
           </a:p>
@@ -1379,7 +1381,7 @@
           <a:p>
             <a:fld id="{2465B147-FE32-40EF-ADBD-C425682FCB59}" type="datetimeFigureOut">
               <a:rPr lang="en-ID" smtClean="0"/>
-              <a:t>14/05/2022</a:t>
+              <a:t>19/05/2022</a:t>
             </a:fld>
             <a:endParaRPr lang="en-ID"/>
           </a:p>
@@ -1699,7 +1701,7 @@
           <a:p>
             <a:fld id="{2465B147-FE32-40EF-ADBD-C425682FCB59}" type="datetimeFigureOut">
               <a:rPr lang="en-ID" smtClean="0"/>
-              <a:t>14/05/2022</a:t>
+              <a:t>19/05/2022</a:t>
             </a:fld>
             <a:endParaRPr lang="en-ID"/>
           </a:p>
@@ -2095,7 +2097,7 @@
           <a:p>
             <a:fld id="{2465B147-FE32-40EF-ADBD-C425682FCB59}" type="datetimeFigureOut">
               <a:rPr lang="en-ID" smtClean="0"/>
-              <a:t>14/05/2022</a:t>
+              <a:t>19/05/2022</a:t>
             </a:fld>
             <a:endParaRPr lang="en-ID"/>
           </a:p>
@@ -2352,7 +2354,7 @@
           <a:p>
             <a:fld id="{2465B147-FE32-40EF-ADBD-C425682FCB59}" type="datetimeFigureOut">
               <a:rPr lang="en-ID" smtClean="0"/>
-              <a:t>14/05/2022</a:t>
+              <a:t>19/05/2022</a:t>
             </a:fld>
             <a:endParaRPr lang="en-ID"/>
           </a:p>
@@ -2614,7 +2616,7 @@
           <a:p>
             <a:fld id="{2465B147-FE32-40EF-ADBD-C425682FCB59}" type="datetimeFigureOut">
               <a:rPr lang="en-ID" smtClean="0"/>
-              <a:t>14/05/2022</a:t>
+              <a:t>19/05/2022</a:t>
             </a:fld>
             <a:endParaRPr lang="en-ID"/>
           </a:p>
@@ -2876,7 +2878,7 @@
           <a:p>
             <a:fld id="{2465B147-FE32-40EF-ADBD-C425682FCB59}" type="datetimeFigureOut">
               <a:rPr lang="en-ID" smtClean="0"/>
-              <a:t>14/05/2022</a:t>
+              <a:t>19/05/2022</a:t>
             </a:fld>
             <a:endParaRPr lang="en-ID"/>
           </a:p>
@@ -3205,7 +3207,7 @@
           <a:p>
             <a:fld id="{2465B147-FE32-40EF-ADBD-C425682FCB59}" type="datetimeFigureOut">
               <a:rPr lang="en-ID" smtClean="0"/>
-              <a:t>14/05/2022</a:t>
+              <a:t>19/05/2022</a:t>
             </a:fld>
             <a:endParaRPr lang="en-ID"/>
           </a:p>
@@ -3528,7 +3530,7 @@
           <a:p>
             <a:fld id="{2465B147-FE32-40EF-ADBD-C425682FCB59}" type="datetimeFigureOut">
               <a:rPr lang="en-ID" smtClean="0"/>
-              <a:t>14/05/2022</a:t>
+              <a:t>19/05/2022</a:t>
             </a:fld>
             <a:endParaRPr lang="en-ID"/>
           </a:p>
@@ -3985,7 +3987,7 @@
           <a:p>
             <a:fld id="{2465B147-FE32-40EF-ADBD-C425682FCB59}" type="datetimeFigureOut">
               <a:rPr lang="en-ID" smtClean="0"/>
-              <a:t>14/05/2022</a:t>
+              <a:t>19/05/2022</a:t>
             </a:fld>
             <a:endParaRPr lang="en-ID"/>
           </a:p>
@@ -4190,7 +4192,7 @@
           <a:p>
             <a:fld id="{2465B147-FE32-40EF-ADBD-C425682FCB59}" type="datetimeFigureOut">
               <a:rPr lang="en-ID" smtClean="0"/>
-              <a:t>14/05/2022</a:t>
+              <a:t>19/05/2022</a:t>
             </a:fld>
             <a:endParaRPr lang="en-ID"/>
           </a:p>
@@ -4367,7 +4369,7 @@
           <a:p>
             <a:fld id="{2465B147-FE32-40EF-ADBD-C425682FCB59}" type="datetimeFigureOut">
               <a:rPr lang="en-ID" smtClean="0"/>
-              <a:t>14/05/2022</a:t>
+              <a:t>19/05/2022</a:t>
             </a:fld>
             <a:endParaRPr lang="en-ID"/>
           </a:p>
@@ -4700,7 +4702,7 @@
           <a:p>
             <a:fld id="{2465B147-FE32-40EF-ADBD-C425682FCB59}" type="datetimeFigureOut">
               <a:rPr lang="en-ID" smtClean="0"/>
-              <a:t>14/05/2022</a:t>
+              <a:t>19/05/2022</a:t>
             </a:fld>
             <a:endParaRPr lang="en-ID"/>
           </a:p>
@@ -5045,7 +5047,7 @@
           <a:p>
             <a:fld id="{2465B147-FE32-40EF-ADBD-C425682FCB59}" type="datetimeFigureOut">
               <a:rPr lang="en-ID" smtClean="0"/>
-              <a:t>14/05/2022</a:t>
+              <a:t>19/05/2022</a:t>
             </a:fld>
             <a:endParaRPr lang="en-ID"/>
           </a:p>
@@ -7162,7 +7164,7 @@
           <a:p>
             <a:fld id="{2465B147-FE32-40EF-ADBD-C425682FCB59}" type="datetimeFigureOut">
               <a:rPr lang="en-ID" smtClean="0"/>
-              <a:t>14/05/2022</a:t>
+              <a:t>19/05/2022</a:t>
             </a:fld>
             <a:endParaRPr lang="en-ID"/>
           </a:p>
@@ -7766,13 +7768,13 @@
         </p:nvSpPr>
         <p:spPr>
           <a:xfrm>
-            <a:off x="1842654" y="4612983"/>
-            <a:ext cx="9144000" cy="1655762"/>
+            <a:off x="1842654" y="5231567"/>
+            <a:ext cx="9144000" cy="1037177"/>
           </a:xfrm>
         </p:spPr>
         <p:txBody>
           <a:bodyPr>
-            <a:normAutofit/>
+            <a:normAutofit fontScale="92500" lnSpcReduction="20000"/>
           </a:bodyPr>
           <a:lstStyle/>
           <a:p>
@@ -7786,20 +7788,25 @@
           </a:p>
           <a:p>
             <a:r>
+              <a:rPr lang="en-ID" dirty="0" err="1">
+                <a:latin typeface="Times New Roman" panose="02020603050405020304" pitchFamily="18" charset="0"/>
+                <a:cs typeface="Times New Roman" panose="02020603050405020304" pitchFamily="18" charset="0"/>
+              </a:rPr>
+              <a:t>Politeknik</a:t>
+            </a:r>
+            <a:r>
               <a:rPr lang="en-ID" dirty="0">
                 <a:latin typeface="Times New Roman" panose="02020603050405020304" pitchFamily="18" charset="0"/>
                 <a:cs typeface="Times New Roman" panose="02020603050405020304" pitchFamily="18" charset="0"/>
               </a:rPr>
-              <a:t>Kelas Mastering Java Spring Boot as Backend Engineer</a:t>
-            </a:r>
-          </a:p>
-          <a:p>
+              <a:t> </a:t>
+            </a:r>
             <a:r>
               <a:rPr lang="en-ID" dirty="0" err="1">
                 <a:latin typeface="Times New Roman" panose="02020603050405020304" pitchFamily="18" charset="0"/>
                 <a:cs typeface="Times New Roman" panose="02020603050405020304" pitchFamily="18" charset="0"/>
               </a:rPr>
-              <a:t>Studi</a:t>
+              <a:t>Piksi</a:t>
             </a:r>
             <a:r>
               <a:rPr lang="en-ID" dirty="0">
@@ -7813,24 +7820,53 @@
                 <a:latin typeface="Times New Roman" panose="02020603050405020304" pitchFamily="18" charset="0"/>
                 <a:cs typeface="Times New Roman" panose="02020603050405020304" pitchFamily="18" charset="0"/>
               </a:rPr>
-              <a:t>Independen</a:t>
+              <a:t>Ganesha</a:t>
+            </a:r>
+            <a:endParaRPr lang="en-ID" dirty="0">
+              <a:latin typeface="Times New Roman" panose="02020603050405020304" pitchFamily="18" charset="0"/>
+              <a:cs typeface="Times New Roman" panose="02020603050405020304" pitchFamily="18" charset="0"/>
+            </a:endParaRPr>
+          </a:p>
+          <a:p>
+            <a:r>
+              <a:rPr lang="en-ID" dirty="0" err="1">
+                <a:latin typeface="Times New Roman" panose="02020603050405020304" pitchFamily="18" charset="0"/>
+                <a:cs typeface="Times New Roman" panose="02020603050405020304" pitchFamily="18" charset="0"/>
+              </a:rPr>
+              <a:t>Informatika</a:t>
             </a:r>
             <a:r>
               <a:rPr lang="en-ID" dirty="0">
                 <a:latin typeface="Times New Roman" panose="02020603050405020304" pitchFamily="18" charset="0"/>
                 <a:cs typeface="Times New Roman" panose="02020603050405020304" pitchFamily="18" charset="0"/>
               </a:rPr>
-              <a:t> Batch 2</a:t>
-            </a:r>
-          </a:p>
-          <a:p>
+              <a:t> </a:t>
+            </a:r>
+            <a:r>
+              <a:rPr lang="en-ID" dirty="0" err="1">
+                <a:latin typeface="Times New Roman" panose="02020603050405020304" pitchFamily="18" charset="0"/>
+                <a:cs typeface="Times New Roman" panose="02020603050405020304" pitchFamily="18" charset="0"/>
+              </a:rPr>
+              <a:t>Rekam</a:t>
+            </a:r>
             <a:r>
               <a:rPr lang="en-ID" dirty="0">
                 <a:latin typeface="Times New Roman" panose="02020603050405020304" pitchFamily="18" charset="0"/>
                 <a:cs typeface="Times New Roman" panose="02020603050405020304" pitchFamily="18" charset="0"/>
               </a:rPr>
-              <a:t>Alterra Academy</a:t>
-            </a:r>
+              <a:t> </a:t>
+            </a:r>
+            <a:r>
+              <a:rPr lang="en-ID" dirty="0" err="1">
+                <a:latin typeface="Times New Roman" panose="02020603050405020304" pitchFamily="18" charset="0"/>
+                <a:cs typeface="Times New Roman" panose="02020603050405020304" pitchFamily="18" charset="0"/>
+              </a:rPr>
+              <a:t>Medis</a:t>
+            </a:r>
+            <a:endParaRPr lang="en-ID" dirty="0">
+              <a:latin typeface="Times New Roman" panose="02020603050405020304" pitchFamily="18" charset="0"/>
+              <a:cs typeface="Times New Roman" panose="02020603050405020304" pitchFamily="18" charset="0"/>
+            </a:endParaRPr>
           </a:p>
           <a:p>
             <a:endParaRPr lang="en-ID" dirty="0">
@@ -9189,169 +9225,8 @@
                 <a:latin typeface="Times New Roman" panose="02020603050405020304" pitchFamily="18" charset="0"/>
                 <a:cs typeface="Times New Roman" panose="02020603050405020304" pitchFamily="18" charset="0"/>
               </a:rPr>
-              <a:t>.. </a:t>
-            </a:r>
-          </a:p>
-          <a:p>
-            <a:pPr algn="just"/>
-            <a:r>
-              <a:rPr lang="en-ID" dirty="0">
-                <a:latin typeface="Times New Roman" panose="02020603050405020304" pitchFamily="18" charset="0"/>
-                <a:cs typeface="Times New Roman" panose="02020603050405020304" pitchFamily="18" charset="0"/>
-              </a:rPr>
-              <a:t>Project </a:t>
-            </a:r>
-            <a:r>
-              <a:rPr lang="en-ID" dirty="0" err="1">
-                <a:latin typeface="Times New Roman" panose="02020603050405020304" pitchFamily="18" charset="0"/>
-                <a:cs typeface="Times New Roman" panose="02020603050405020304" pitchFamily="18" charset="0"/>
-              </a:rPr>
-              <a:t>dapat</a:t>
-            </a:r>
-            <a:r>
-              <a:rPr lang="en-ID" dirty="0">
-                <a:latin typeface="Times New Roman" panose="02020603050405020304" pitchFamily="18" charset="0"/>
-                <a:cs typeface="Times New Roman" panose="02020603050405020304" pitchFamily="18" charset="0"/>
-              </a:rPr>
-              <a:t> </a:t>
-            </a:r>
-            <a:r>
-              <a:rPr lang="en-ID" dirty="0" err="1">
-                <a:latin typeface="Times New Roman" panose="02020603050405020304" pitchFamily="18" charset="0"/>
-                <a:cs typeface="Times New Roman" panose="02020603050405020304" pitchFamily="18" charset="0"/>
-              </a:rPr>
-              <a:t>menampilkan</a:t>
-            </a:r>
-            <a:r>
-              <a:rPr lang="en-ID" dirty="0">
-                <a:latin typeface="Times New Roman" panose="02020603050405020304" pitchFamily="18" charset="0"/>
-                <a:cs typeface="Times New Roman" panose="02020603050405020304" pitchFamily="18" charset="0"/>
-              </a:rPr>
-              <a:t> </a:t>
-            </a:r>
-            <a:r>
-              <a:rPr lang="en-ID" dirty="0" err="1">
-                <a:latin typeface="Times New Roman" panose="02020603050405020304" pitchFamily="18" charset="0"/>
-                <a:cs typeface="Times New Roman" panose="02020603050405020304" pitchFamily="18" charset="0"/>
-              </a:rPr>
-              <a:t>informasi</a:t>
-            </a:r>
-            <a:r>
-              <a:rPr lang="en-ID" dirty="0">
-                <a:latin typeface="Times New Roman" panose="02020603050405020304" pitchFamily="18" charset="0"/>
-                <a:cs typeface="Times New Roman" panose="02020603050405020304" pitchFamily="18" charset="0"/>
-              </a:rPr>
-              <a:t> </a:t>
-            </a:r>
-            <a:r>
-              <a:rPr lang="en-ID" dirty="0" err="1">
-                <a:latin typeface="Times New Roman" panose="02020603050405020304" pitchFamily="18" charset="0"/>
-                <a:cs typeface="Times New Roman" panose="02020603050405020304" pitchFamily="18" charset="0"/>
-              </a:rPr>
-              <a:t>Obat</a:t>
-            </a:r>
-            <a:r>
-              <a:rPr lang="en-ID" dirty="0">
-                <a:latin typeface="Times New Roman" panose="02020603050405020304" pitchFamily="18" charset="0"/>
-                <a:cs typeface="Times New Roman" panose="02020603050405020304" pitchFamily="18" charset="0"/>
-              </a:rPr>
-              <a:t>, </a:t>
-            </a:r>
-            <a:r>
-              <a:rPr lang="en-ID" dirty="0" err="1">
-                <a:latin typeface="Times New Roman" panose="02020603050405020304" pitchFamily="18" charset="0"/>
-                <a:cs typeface="Times New Roman" panose="02020603050405020304" pitchFamily="18" charset="0"/>
-              </a:rPr>
-              <a:t>bisa</a:t>
-            </a:r>
-            <a:r>
-              <a:rPr lang="en-ID" dirty="0">
-                <a:latin typeface="Times New Roman" panose="02020603050405020304" pitchFamily="18" charset="0"/>
-                <a:cs typeface="Times New Roman" panose="02020603050405020304" pitchFamily="18" charset="0"/>
-              </a:rPr>
-              <a:t> </a:t>
-            </a:r>
-            <a:r>
-              <a:rPr lang="en-ID" dirty="0" err="1">
-                <a:latin typeface="Times New Roman" panose="02020603050405020304" pitchFamily="18" charset="0"/>
-                <a:cs typeface="Times New Roman" panose="02020603050405020304" pitchFamily="18" charset="0"/>
-              </a:rPr>
-              <a:t>dilihat</a:t>
-            </a:r>
-            <a:r>
-              <a:rPr lang="en-ID" dirty="0">
-                <a:latin typeface="Times New Roman" panose="02020603050405020304" pitchFamily="18" charset="0"/>
-                <a:cs typeface="Times New Roman" panose="02020603050405020304" pitchFamily="18" charset="0"/>
-              </a:rPr>
-              <a:t> </a:t>
-            </a:r>
-            <a:r>
-              <a:rPr lang="en-ID" dirty="0" err="1">
-                <a:latin typeface="Times New Roman" panose="02020603050405020304" pitchFamily="18" charset="0"/>
-                <a:cs typeface="Times New Roman" panose="02020603050405020304" pitchFamily="18" charset="0"/>
-              </a:rPr>
-              <a:t>berdasarkan</a:t>
-            </a:r>
-            <a:r>
-              <a:rPr lang="en-ID" dirty="0">
-                <a:latin typeface="Times New Roman" panose="02020603050405020304" pitchFamily="18" charset="0"/>
-                <a:cs typeface="Times New Roman" panose="02020603050405020304" pitchFamily="18" charset="0"/>
-              </a:rPr>
-              <a:t> </a:t>
-            </a:r>
-            <a:r>
-              <a:rPr lang="en-ID" dirty="0" err="1">
-                <a:latin typeface="Times New Roman" panose="02020603050405020304" pitchFamily="18" charset="0"/>
-                <a:cs typeface="Times New Roman" panose="02020603050405020304" pitchFamily="18" charset="0"/>
-              </a:rPr>
-              <a:t>Efek</a:t>
-            </a:r>
-            <a:r>
-              <a:rPr lang="en-ID" dirty="0">
-                <a:latin typeface="Times New Roman" panose="02020603050405020304" pitchFamily="18" charset="0"/>
-                <a:cs typeface="Times New Roman" panose="02020603050405020304" pitchFamily="18" charset="0"/>
-              </a:rPr>
-              <a:t> </a:t>
-            </a:r>
-            <a:r>
-              <a:rPr lang="en-ID" dirty="0" err="1">
-                <a:latin typeface="Times New Roman" panose="02020603050405020304" pitchFamily="18" charset="0"/>
-                <a:cs typeface="Times New Roman" panose="02020603050405020304" pitchFamily="18" charset="0"/>
-              </a:rPr>
-              <a:t>Terapi</a:t>
-            </a:r>
-            <a:r>
-              <a:rPr lang="en-ID" dirty="0">
-                <a:latin typeface="Times New Roman" panose="02020603050405020304" pitchFamily="18" charset="0"/>
-                <a:cs typeface="Times New Roman" panose="02020603050405020304" pitchFamily="18" charset="0"/>
-              </a:rPr>
-              <a:t> dan </a:t>
-            </a:r>
-            <a:r>
-              <a:rPr lang="en-ID" dirty="0" err="1">
-                <a:latin typeface="Times New Roman" panose="02020603050405020304" pitchFamily="18" charset="0"/>
-                <a:cs typeface="Times New Roman" panose="02020603050405020304" pitchFamily="18" charset="0"/>
-              </a:rPr>
-              <a:t>obat</a:t>
-            </a:r>
-            <a:r>
-              <a:rPr lang="en-ID" dirty="0">
-                <a:latin typeface="Times New Roman" panose="02020603050405020304" pitchFamily="18" charset="0"/>
-                <a:cs typeface="Times New Roman" panose="02020603050405020304" pitchFamily="18" charset="0"/>
-              </a:rPr>
-              <a:t> </a:t>
-            </a:r>
-            <a:r>
-              <a:rPr lang="en-ID" dirty="0" err="1">
-                <a:latin typeface="Times New Roman" panose="02020603050405020304" pitchFamily="18" charset="0"/>
-                <a:cs typeface="Times New Roman" panose="02020603050405020304" pitchFamily="18" charset="0"/>
-              </a:rPr>
-              <a:t>generik</a:t>
-            </a:r>
-            <a:endParaRPr lang="en-ID" dirty="0">
-              <a:latin typeface="Times New Roman" panose="02020603050405020304" pitchFamily="18" charset="0"/>
-              <a:cs typeface="Times New Roman" panose="02020603050405020304" pitchFamily="18" charset="0"/>
-            </a:endParaRPr>
+              <a:t>.</a:t>
+            </a:r>
           </a:p>
         </p:txBody>
       </p:sp>
@@ -9458,70 +9333,7 @@
             </a:r>
             <a:r>
               <a:rPr lang="en-ID" dirty="0" err="1"/>
-              <a:t>Informasi</a:t>
-            </a:r>
-            <a:r>
-              <a:rPr lang="en-ID" dirty="0"/>
-              <a:t> </a:t>
-            </a:r>
-            <a:r>
-              <a:rPr lang="en-ID" dirty="0" err="1"/>
               <a:t>Obat</a:t>
-            </a:r>
-            <a:endParaRPr lang="en-ID" dirty="0"/>
-          </a:p>
-          <a:p>
-            <a:pPr>
-              <a:buFontTx/>
-              <a:buChar char="-"/>
-            </a:pPr>
-            <a:r>
-              <a:rPr lang="en-ID" dirty="0"/>
-              <a:t>List </a:t>
-            </a:r>
-            <a:r>
-              <a:rPr lang="en-ID" dirty="0" err="1"/>
-              <a:t>penting</a:t>
-            </a:r>
-            <a:r>
-              <a:rPr lang="en-ID" dirty="0"/>
-              <a:t> </a:t>
-            </a:r>
-            <a:r>
-              <a:rPr lang="en-ID" dirty="0" err="1"/>
-              <a:t>fitur</a:t>
-            </a:r>
-            <a:r>
-              <a:rPr lang="en-ID" dirty="0"/>
-              <a:t> : </a:t>
-            </a:r>
-            <a:r>
-              <a:rPr lang="en-ID" dirty="0" err="1"/>
-              <a:t>Efek</a:t>
-            </a:r>
-            <a:r>
-              <a:rPr lang="en-ID" dirty="0"/>
-              <a:t> </a:t>
-            </a:r>
-            <a:r>
-              <a:rPr lang="en-ID" dirty="0" err="1"/>
-              <a:t>Terapi</a:t>
-            </a:r>
-            <a:r>
-              <a:rPr lang="en-ID" dirty="0"/>
-              <a:t> dan </a:t>
-            </a:r>
-            <a:r>
-              <a:rPr lang="en-ID" dirty="0" err="1"/>
-              <a:t>obat</a:t>
-            </a:r>
-            <a:r>
-              <a:rPr lang="en-ID" dirty="0"/>
-              <a:t> </a:t>
-            </a:r>
-            <a:r>
-              <a:rPr lang="en-ID" dirty="0" err="1"/>
-              <a:t>Generik</a:t>
             </a:r>
             <a:endParaRPr lang="en-ID" dirty="0"/>
           </a:p>
@@ -9577,32 +9389,6 @@
                 <a:tab pos="720725" algn="l"/>
               </a:tabLst>
             </a:pPr>
-            <a:r>
-              <a:rPr lang="en-ID" dirty="0" err="1"/>
-              <a:t>Efek</a:t>
-            </a:r>
-            <a:r>
-              <a:rPr lang="en-ID" dirty="0"/>
-              <a:t> </a:t>
-            </a:r>
-            <a:r>
-              <a:rPr lang="en-ID" dirty="0" err="1"/>
-              <a:t>Terapi</a:t>
-            </a:r>
-            <a:endParaRPr lang="en-ID" dirty="0"/>
-          </a:p>
-          <a:p>
-            <a:pPr marL="720725" indent="-360363">
-              <a:buFont typeface="Wingdings" panose="05000000000000000000" pitchFamily="2" charset="2"/>
-              <a:buChar char="Ø"/>
-              <a:tabLst>
-                <a:tab pos="720725" algn="l"/>
-              </a:tabLst>
-            </a:pPr>
-            <a:r>
-              <a:rPr lang="en-ID" dirty="0"/>
-              <a:t>Sub </a:t>
-            </a:r>
             <a:r>
               <a:rPr lang="en-ID" dirty="0" err="1"/>
               <a:t>Efek</a:t>
@@ -9828,10 +9614,10 @@
       </p:sp>
       <p:graphicFrame>
         <p:nvGraphicFramePr>
-          <p:cNvPr id="5" name="Content Placeholder 4">
+          <p:cNvPr id="6" name="Content Placeholder 5">
             <a:extLst>
               <a:ext uri="{FF2B5EF4-FFF2-40B4-BE49-F238E27FC236}">
-                <a16:creationId xmlns:a16="http://schemas.microsoft.com/office/drawing/2014/main" id="{ACFA1CE1-115C-4E14-8ED0-64F3915563C3}"/>
+                <a16:creationId xmlns:a16="http://schemas.microsoft.com/office/drawing/2014/main" id="{57DB7D42-29F8-44E7-B02B-65218D777A9F}"/>
               </a:ext>
             </a:extLst>
           </p:cNvPr>
@@ -9842,39 +9628,89 @@
             <p:ph idx="1"/>
             <p:extLst>
               <p:ext uri="{D42A27DB-BD31-4B8C-83A1-F6EECF244321}">
-                <p14:modId xmlns:p14="http://schemas.microsoft.com/office/powerpoint/2010/main" val="3798027610"/>
+                <p14:modId xmlns:p14="http://schemas.microsoft.com/office/powerpoint/2010/main" val="3982465552"/>
               </p:ext>
             </p:extLst>
           </p:nvPr>
         </p:nvGraphicFramePr>
         <p:xfrm>
-          <a:off x="2589213" y="2133600"/>
-          <a:ext cx="8915400" cy="1483360"/>
+          <a:off x="1575880" y="1478604"/>
+          <a:ext cx="9928732" cy="5205592"/>
         </p:xfrm>
         <a:graphic>
           <a:graphicData uri="http://schemas.openxmlformats.org/drawingml/2006/table">
             <a:tbl>
               <a:tblPr firstRow="1" bandRow="1">
-                <a:tableStyleId>{5940675A-B579-460E-94D1-54222C63F5DA}</a:tableStyleId>
+                <a:tableStyleId>{BC89EF96-8CEA-46FF-86C4-4CE0E7609802}</a:tableStyleId>
               </a:tblPr>
               <a:tblGrid>
-                <a:gridCol w="4457700">
+                <a:gridCol w="1882590">
                   <a:extLst>
                     <a:ext uri="{9D8B030D-6E8A-4147-A177-3AD203B41FA5}">
-                      <a16:colId xmlns:a16="http://schemas.microsoft.com/office/drawing/2014/main" val="1083174019"/>
+                      <a16:colId xmlns:a16="http://schemas.microsoft.com/office/drawing/2014/main" val="488511423"/>
                     </a:ext>
                   </a:extLst>
                 </a:gridCol>
-                <a:gridCol w="4457700">
+                <a:gridCol w="4023071">
                   <a:extLst>
                     <a:ext uri="{9D8B030D-6E8A-4147-A177-3AD203B41FA5}">
-                      <a16:colId xmlns:a16="http://schemas.microsoft.com/office/drawing/2014/main" val="2514130436"/>
+                      <a16:colId xmlns:a16="http://schemas.microsoft.com/office/drawing/2014/main" val="3045163432"/>
+                    </a:ext>
+                  </a:extLst>
+                </a:gridCol>
+                <a:gridCol w="4023071">
+                  <a:extLst>
+                    <a:ext uri="{9D8B030D-6E8A-4147-A177-3AD203B41FA5}">
+                      <a16:colId xmlns:a16="http://schemas.microsoft.com/office/drawing/2014/main" val="329383763"/>
                     </a:ext>
                   </a:extLst>
                 </a:gridCol>
               </a:tblGrid>
-              <a:tr h="370840">
+              <a:tr h="570689">
                 <a:tc>
+                  <a:txBody>
+                    <a:bodyPr/>
+                    <a:lstStyle/>
+                    <a:p>
+                      <a:endParaRPr lang="en-ID" dirty="0"/>
+                    </a:p>
+                  </a:txBody>
+                  <a:tcPr/>
+                </a:tc>
+                <a:tc>
+                  <a:txBody>
+                    <a:bodyPr/>
+                    <a:lstStyle/>
+                    <a:p>
+                      <a:r>
+                        <a:rPr lang="en-ID" dirty="0"/>
+                        <a:t>Endpoint</a:t>
+                      </a:r>
+                    </a:p>
+                  </a:txBody>
+                  <a:tcPr/>
+                </a:tc>
+                <a:tc>
+                  <a:txBody>
+                    <a:bodyPr/>
+                    <a:lstStyle/>
+                    <a:p>
+                      <a:r>
+                        <a:rPr lang="en-ID" dirty="0"/>
+                        <a:t>Method</a:t>
+                      </a:r>
+                    </a:p>
+                  </a:txBody>
+                  <a:tcPr/>
+                </a:tc>
+                <a:extLst>
+                  <a:ext uri="{0D108BD9-81ED-4DB2-BD59-A6C34878D82A}">
+                    <a16:rowId xmlns:a16="http://schemas.microsoft.com/office/drawing/2014/main" val="463876151"/>
+                  </a:ext>
+                </a:extLst>
+              </a:tr>
+              <a:tr h="570689">
+                <a:tc rowSpan="2">
                   <a:txBody>
                     <a:bodyPr/>
                     <a:lstStyle/>
@@ -9899,29 +9735,298 @@
                       </a:r>
                       <a:r>
                         <a:rPr lang="en-ID" dirty="0" err="1"/>
-                        <a:t>Obat?nama</a:t>
-                      </a:r>
-                      <a:r>
-                        <a:rPr lang="en-ID" dirty="0"/>
-                        <a:t>=</a:t>
-                      </a:r>
-                      <a:r>
-                        <a:rPr lang="en-ID" dirty="0" err="1"/>
-                        <a:t>Sanmol</a:t>
+                        <a:t>Obat</a:t>
                       </a:r>
                       <a:endParaRPr lang="en-ID" dirty="0"/>
                     </a:p>
                   </a:txBody>
                   <a:tcPr/>
                 </a:tc>
+                <a:tc>
+                  <a:txBody>
+                    <a:bodyPr/>
+                    <a:lstStyle/>
+                    <a:p>
+                      <a:r>
+                        <a:rPr lang="en-ID" dirty="0"/>
+                        <a:t>POST, GET</a:t>
+                      </a:r>
+                    </a:p>
+                  </a:txBody>
+                  <a:tcPr/>
+                </a:tc>
                 <a:extLst>
                   <a:ext uri="{0D108BD9-81ED-4DB2-BD59-A6C34878D82A}">
-                    <a16:rowId xmlns:a16="http://schemas.microsoft.com/office/drawing/2014/main" val="3867623229"/>
+                    <a16:rowId xmlns:a16="http://schemas.microsoft.com/office/drawing/2014/main" val="86568786"/>
                   </a:ext>
                 </a:extLst>
               </a:tr>
-              <a:tr h="370840">
+              <a:tr h="570689">
+                <a:tc vMerge="1">
+                  <a:txBody>
+                    <a:bodyPr/>
+                    <a:lstStyle/>
+                    <a:p>
+                      <a:endParaRPr lang="en-ID" dirty="0"/>
+                    </a:p>
+                  </a:txBody>
+                  <a:tcPr/>
+                </a:tc>
                 <a:tc>
+                  <a:txBody>
+                    <a:bodyPr/>
+                    <a:lstStyle/>
+                    <a:p>
+                      <a:pPr marL="0" marR="0" lvl="0" indent="0" algn="l" defTabSz="457200" rtl="0" eaLnBrk="1" fontAlgn="auto" latinLnBrk="0" hangingPunct="1">
+                        <a:lnSpc>
+                          <a:spcPct val="100000"/>
+                        </a:lnSpc>
+                        <a:spcBef>
+                          <a:spcPts val="0"/>
+                        </a:spcBef>
+                        <a:spcAft>
+                          <a:spcPts val="0"/>
+                        </a:spcAft>
+                        <a:buClrTx/>
+                        <a:buSzTx/>
+                        <a:buFontTx/>
+                        <a:buNone/>
+                        <a:tabLst/>
+                        <a:defRPr/>
+                      </a:pPr>
+                      <a:r>
+                        <a:rPr lang="en-ID" dirty="0"/>
+                        <a:t>{{host}}/</a:t>
+                      </a:r>
+                      <a:r>
+                        <a:rPr lang="en-ID" dirty="0" err="1"/>
+                        <a:t>Obat</a:t>
+                      </a:r>
+                      <a:r>
+                        <a:rPr lang="en-ID" dirty="0"/>
+                        <a:t>/{id}</a:t>
+                      </a:r>
+                    </a:p>
+                  </a:txBody>
+                  <a:tcPr/>
+                </a:tc>
+                <a:tc>
+                  <a:txBody>
+                    <a:bodyPr/>
+                    <a:lstStyle/>
+                    <a:p>
+                      <a:pPr marL="0" marR="0" lvl="0" indent="0" algn="l" defTabSz="457200" rtl="0" eaLnBrk="1" fontAlgn="auto" latinLnBrk="0" hangingPunct="1">
+                        <a:lnSpc>
+                          <a:spcPct val="100000"/>
+                        </a:lnSpc>
+                        <a:spcBef>
+                          <a:spcPts val="0"/>
+                        </a:spcBef>
+                        <a:spcAft>
+                          <a:spcPts val="0"/>
+                        </a:spcAft>
+                        <a:buClrTx/>
+                        <a:buSzTx/>
+                        <a:buFontTx/>
+                        <a:buNone/>
+                        <a:tabLst/>
+                        <a:defRPr/>
+                      </a:pPr>
+                      <a:r>
+                        <a:rPr lang="en-ID" dirty="0"/>
+                        <a:t>GET, PATCH, DELETE</a:t>
+                      </a:r>
+                    </a:p>
+                  </a:txBody>
+                  <a:tcPr/>
+                </a:tc>
+                <a:extLst>
+                  <a:ext uri="{0D108BD9-81ED-4DB2-BD59-A6C34878D82A}">
+                    <a16:rowId xmlns:a16="http://schemas.microsoft.com/office/drawing/2014/main" val="1533662804"/>
+                  </a:ext>
+                </a:extLst>
+              </a:tr>
+              <a:tr h="570689">
+                <a:tc rowSpan="2">
+                  <a:txBody>
+                    <a:bodyPr/>
+                    <a:lstStyle/>
+                    <a:p>
+                      <a:r>
+                        <a:rPr lang="en-ID" dirty="0" err="1"/>
+                        <a:t>Obat</a:t>
+                      </a:r>
+                      <a:r>
+                        <a:rPr lang="en-ID" dirty="0"/>
+                        <a:t> </a:t>
+                      </a:r>
+                      <a:r>
+                        <a:rPr lang="en-ID" dirty="0" err="1"/>
+                        <a:t>Generik</a:t>
+                      </a:r>
+                      <a:endParaRPr lang="en-ID" dirty="0"/>
+                    </a:p>
+                  </a:txBody>
+                  <a:tcPr/>
+                </a:tc>
+                <a:tc>
+                  <a:txBody>
+                    <a:bodyPr/>
+                    <a:lstStyle/>
+                    <a:p>
+                      <a:pPr marL="0" marR="0" lvl="0" indent="0" algn="l" defTabSz="457200" rtl="0" eaLnBrk="1" fontAlgn="auto" latinLnBrk="0" hangingPunct="1">
+                        <a:lnSpc>
+                          <a:spcPct val="100000"/>
+                        </a:lnSpc>
+                        <a:spcBef>
+                          <a:spcPts val="0"/>
+                        </a:spcBef>
+                        <a:spcAft>
+                          <a:spcPts val="0"/>
+                        </a:spcAft>
+                        <a:buClrTx/>
+                        <a:buSzTx/>
+                        <a:buFontTx/>
+                        <a:buNone/>
+                        <a:tabLst/>
+                        <a:defRPr/>
+                      </a:pPr>
+                      <a:r>
+                        <a:rPr lang="en-ID" dirty="0"/>
+                        <a:t>{{host}}/</a:t>
+                      </a:r>
+                      <a:r>
+                        <a:rPr lang="en-ID" dirty="0" err="1"/>
+                        <a:t>ObatGenerik</a:t>
+                      </a:r>
+                      <a:endParaRPr lang="en-ID" dirty="0"/>
+                    </a:p>
+                  </a:txBody>
+                  <a:tcPr/>
+                </a:tc>
+                <a:tc>
+                  <a:txBody>
+                    <a:bodyPr/>
+                    <a:lstStyle/>
+                    <a:p>
+                      <a:pPr marL="0" marR="0" lvl="0" indent="0" algn="l" defTabSz="457200" rtl="0" eaLnBrk="1" fontAlgn="auto" latinLnBrk="0" hangingPunct="1">
+                        <a:lnSpc>
+                          <a:spcPct val="100000"/>
+                        </a:lnSpc>
+                        <a:spcBef>
+                          <a:spcPts val="0"/>
+                        </a:spcBef>
+                        <a:spcAft>
+                          <a:spcPts val="0"/>
+                        </a:spcAft>
+                        <a:buClrTx/>
+                        <a:buSzTx/>
+                        <a:buFontTx/>
+                        <a:buNone/>
+                        <a:tabLst/>
+                        <a:defRPr/>
+                      </a:pPr>
+                      <a:r>
+                        <a:rPr lang="en-ID" dirty="0"/>
+                        <a:t>POST, GET</a:t>
+                      </a:r>
+                    </a:p>
+                  </a:txBody>
+                  <a:tcPr/>
+                </a:tc>
+                <a:extLst>
+                  <a:ext uri="{0D108BD9-81ED-4DB2-BD59-A6C34878D82A}">
+                    <a16:rowId xmlns:a16="http://schemas.microsoft.com/office/drawing/2014/main" val="3587125594"/>
+                  </a:ext>
+                </a:extLst>
+              </a:tr>
+              <a:tr h="570689">
+                <a:tc vMerge="1">
+                  <a:txBody>
+                    <a:bodyPr/>
+                    <a:lstStyle/>
+                    <a:p>
+                      <a:endParaRPr lang="en-ID" dirty="0"/>
+                    </a:p>
+                  </a:txBody>
+                  <a:tcPr/>
+                </a:tc>
+                <a:tc>
+                  <a:txBody>
+                    <a:bodyPr/>
+                    <a:lstStyle/>
+                    <a:p>
+                      <a:pPr marL="0" marR="0" lvl="0" indent="0" algn="l" defTabSz="457200" rtl="0" eaLnBrk="1" fontAlgn="auto" latinLnBrk="0" hangingPunct="1">
+                        <a:lnSpc>
+                          <a:spcPct val="100000"/>
+                        </a:lnSpc>
+                        <a:spcBef>
+                          <a:spcPts val="0"/>
+                        </a:spcBef>
+                        <a:spcAft>
+                          <a:spcPts val="0"/>
+                        </a:spcAft>
+                        <a:buClrTx/>
+                        <a:buSzTx/>
+                        <a:buFontTx/>
+                        <a:buNone/>
+                        <a:tabLst/>
+                        <a:defRPr/>
+                      </a:pPr>
+                      <a:r>
+                        <a:rPr lang="en-ID" dirty="0"/>
+                        <a:t>{{host}}/</a:t>
+                      </a:r>
+                      <a:r>
+                        <a:rPr lang="en-ID" dirty="0" err="1"/>
+                        <a:t>ObatGenerik</a:t>
+                      </a:r>
+                      <a:r>
+                        <a:rPr lang="en-ID" dirty="0"/>
+                        <a:t>/{id}</a:t>
+                      </a:r>
+                    </a:p>
+                  </a:txBody>
+                  <a:tcPr/>
+                </a:tc>
+                <a:tc>
+                  <a:txBody>
+                    <a:bodyPr/>
+                    <a:lstStyle/>
+                    <a:p>
+                      <a:pPr marL="0" marR="0" lvl="0" indent="0" algn="l" defTabSz="457200" rtl="0" eaLnBrk="1" fontAlgn="auto" latinLnBrk="0" hangingPunct="1">
+                        <a:lnSpc>
+                          <a:spcPct val="100000"/>
+                        </a:lnSpc>
+                        <a:spcBef>
+                          <a:spcPts val="0"/>
+                        </a:spcBef>
+                        <a:spcAft>
+                          <a:spcPts val="0"/>
+                        </a:spcAft>
+                        <a:buClrTx/>
+                        <a:buSzTx/>
+                        <a:buFontTx/>
+                        <a:buNone/>
+                        <a:tabLst/>
+                        <a:defRPr/>
+                      </a:pPr>
+                      <a:r>
+                        <a:rPr lang="en-ID" dirty="0"/>
+                        <a:t>GET, PATCH, DELETE</a:t>
+                      </a:r>
+                    </a:p>
+                  </a:txBody>
+                  <a:tcPr/>
+                </a:tc>
+                <a:extLst>
+                  <a:ext uri="{0D108BD9-81ED-4DB2-BD59-A6C34878D82A}">
+                    <a16:rowId xmlns:a16="http://schemas.microsoft.com/office/drawing/2014/main" val="1149491937"/>
+                  </a:ext>
+                </a:extLst>
+              </a:tr>
+              <a:tr h="570689">
+                <a:tc rowSpan="2">
                   <a:txBody>
                     <a:bodyPr/>
                     <a:lstStyle/>
@@ -9948,35 +10053,159 @@
                     <a:bodyPr/>
                     <a:lstStyle/>
                     <a:p>
+                      <a:pPr marL="0" marR="0" lvl="0" indent="0" algn="l" defTabSz="457200" rtl="0" eaLnBrk="1" fontAlgn="auto" latinLnBrk="0" hangingPunct="1">
+                        <a:lnSpc>
+                          <a:spcPct val="100000"/>
+                        </a:lnSpc>
+                        <a:spcBef>
+                          <a:spcPts val="0"/>
+                        </a:spcBef>
+                        <a:spcAft>
+                          <a:spcPts val="0"/>
+                        </a:spcAft>
+                        <a:buClrTx/>
+                        <a:buSzTx/>
+                        <a:buFontTx/>
+                        <a:buNone/>
+                        <a:tabLst/>
+                        <a:defRPr/>
+                      </a:pPr>
                       <a:r>
                         <a:rPr lang="en-ID" dirty="0"/>
                         <a:t>{{host}}/</a:t>
                       </a:r>
                       <a:r>
                         <a:rPr lang="en-ID" dirty="0" err="1"/>
-                        <a:t>Obat?EfekTerapi</a:t>
-                      </a:r>
-                      <a:r>
-                        <a:rPr lang="en-ID" dirty="0"/>
-                        <a:t>=</a:t>
-                      </a:r>
-                      <a:r>
-                        <a:rPr lang="en-ID" dirty="0" err="1"/>
-                        <a:t>Analgetik</a:t>
+                        <a:t>EfekTerapi</a:t>
                       </a:r>
                       <a:endParaRPr lang="en-ID" dirty="0"/>
                     </a:p>
                   </a:txBody>
                   <a:tcPr/>
                 </a:tc>
+                <a:tc>
+                  <a:txBody>
+                    <a:bodyPr/>
+                    <a:lstStyle/>
+                    <a:p>
+                      <a:pPr marL="0" marR="0" lvl="0" indent="0" algn="l" defTabSz="457200" rtl="0" eaLnBrk="1" fontAlgn="auto" latinLnBrk="0" hangingPunct="1">
+                        <a:lnSpc>
+                          <a:spcPct val="100000"/>
+                        </a:lnSpc>
+                        <a:spcBef>
+                          <a:spcPts val="0"/>
+                        </a:spcBef>
+                        <a:spcAft>
+                          <a:spcPts val="0"/>
+                        </a:spcAft>
+                        <a:buClrTx/>
+                        <a:buSzTx/>
+                        <a:buFontTx/>
+                        <a:buNone/>
+                        <a:tabLst/>
+                        <a:defRPr/>
+                      </a:pPr>
+                      <a:r>
+                        <a:rPr lang="en-ID" dirty="0"/>
+                        <a:t>POST, GET</a:t>
+                      </a:r>
+                    </a:p>
+                  </a:txBody>
+                  <a:tcPr/>
+                </a:tc>
                 <a:extLst>
                   <a:ext uri="{0D108BD9-81ED-4DB2-BD59-A6C34878D82A}">
-                    <a16:rowId xmlns:a16="http://schemas.microsoft.com/office/drawing/2014/main" val="3111596932"/>
+                    <a16:rowId xmlns:a16="http://schemas.microsoft.com/office/drawing/2014/main" val="794290156"/>
                   </a:ext>
                 </a:extLst>
               </a:tr>
-              <a:tr h="370840">
+              <a:tr h="570689">
+                <a:tc vMerge="1">
+                  <a:txBody>
+                    <a:bodyPr/>
+                    <a:lstStyle/>
+                    <a:p>
+                      <a:endParaRPr lang="en-ID" dirty="0"/>
+                    </a:p>
+                  </a:txBody>
+                  <a:tcPr/>
+                </a:tc>
                 <a:tc>
+                  <a:txBody>
+                    <a:bodyPr/>
+                    <a:lstStyle/>
+                    <a:p>
+                      <a:pPr marL="0" marR="0" lvl="0" indent="0" algn="l" defTabSz="457200" rtl="0" eaLnBrk="1" fontAlgn="auto" latinLnBrk="0" hangingPunct="1">
+                        <a:lnSpc>
+                          <a:spcPct val="100000"/>
+                        </a:lnSpc>
+                        <a:spcBef>
+                          <a:spcPts val="0"/>
+                        </a:spcBef>
+                        <a:spcAft>
+                          <a:spcPts val="0"/>
+                        </a:spcAft>
+                        <a:buClrTx/>
+                        <a:buSzTx/>
+                        <a:buFontTx/>
+                        <a:buNone/>
+                        <a:tabLst/>
+                        <a:defRPr/>
+                      </a:pPr>
+                      <a:r>
+                        <a:rPr lang="en-ID" dirty="0"/>
+                        <a:t>{{host}}/</a:t>
+                      </a:r>
+                      <a:r>
+                        <a:rPr lang="en-ID" dirty="0" err="1"/>
+                        <a:t>EfekTerapi</a:t>
+                      </a:r>
+                      <a:r>
+                        <a:rPr lang="en-ID" dirty="0"/>
+                        <a:t>/{id}</a:t>
+                      </a:r>
+                    </a:p>
+                  </a:txBody>
+                  <a:tcPr/>
+                </a:tc>
+                <a:tc>
+                  <a:txBody>
+                    <a:bodyPr/>
+                    <a:lstStyle/>
+                    <a:p>
+                      <a:pPr marL="0" marR="0" lvl="0" indent="0" algn="l" defTabSz="457200" rtl="0" eaLnBrk="1" fontAlgn="auto" latinLnBrk="0" hangingPunct="1">
+                        <a:lnSpc>
+                          <a:spcPct val="100000"/>
+                        </a:lnSpc>
+                        <a:spcBef>
+                          <a:spcPts val="0"/>
+                        </a:spcBef>
+                        <a:spcAft>
+                          <a:spcPts val="0"/>
+                        </a:spcAft>
+                        <a:buClrTx/>
+                        <a:buSzTx/>
+                        <a:buFontTx/>
+                        <a:buNone/>
+                        <a:tabLst/>
+                        <a:defRPr/>
+                      </a:pPr>
+                      <a:r>
+                        <a:rPr lang="en-ID" dirty="0"/>
+                        <a:t>GET, PATCH, DELETE</a:t>
+                      </a:r>
+                    </a:p>
+                  </a:txBody>
+                  <a:tcPr/>
+                </a:tc>
+                <a:extLst>
+                  <a:ext uri="{0D108BD9-81ED-4DB2-BD59-A6C34878D82A}">
+                    <a16:rowId xmlns:a16="http://schemas.microsoft.com/office/drawing/2014/main" val="4156118218"/>
+                  </a:ext>
+                </a:extLst>
+              </a:tr>
+              <a:tr h="570689">
+                <a:tc rowSpan="2">
                   <a:txBody>
                     <a:bodyPr/>
                     <a:lstStyle/>
@@ -10003,50 +10232,30 @@
                     <a:bodyPr/>
                     <a:lstStyle/>
                     <a:p>
+                      <a:pPr marL="0" marR="0" lvl="0" indent="0" algn="l" defTabSz="457200" rtl="0" eaLnBrk="1" fontAlgn="auto" latinLnBrk="0" hangingPunct="1">
+                        <a:lnSpc>
+                          <a:spcPct val="100000"/>
+                        </a:lnSpc>
+                        <a:spcBef>
+                          <a:spcPts val="0"/>
+                        </a:spcBef>
+                        <a:spcAft>
+                          <a:spcPts val="0"/>
+                        </a:spcAft>
+                        <a:buClrTx/>
+                        <a:buSzTx/>
+                        <a:buFontTx/>
+                        <a:buNone/>
+                        <a:tabLst/>
+                        <a:defRPr/>
+                      </a:pPr>
                       <a:r>
                         <a:rPr lang="en-ID" dirty="0"/>
                         <a:t>{{host}}/</a:t>
                       </a:r>
                       <a:r>
                         <a:rPr lang="en-ID" dirty="0" err="1"/>
-                        <a:t>Obat</a:t>
-                      </a:r>
-                      <a:r>
-                        <a:rPr lang="en-ID" dirty="0"/>
-                        <a:t>/</a:t>
-                      </a:r>
-                      <a:r>
-                        <a:rPr lang="en-ID" dirty="0" err="1"/>
-                        <a:t>Golongan</a:t>
-                      </a:r>
-                      <a:endParaRPr lang="en-ID" dirty="0"/>
-                    </a:p>
-                  </a:txBody>
-                  <a:tcPr/>
-                </a:tc>
-                <a:extLst>
-                  <a:ext uri="{0D108BD9-81ED-4DB2-BD59-A6C34878D82A}">
-                    <a16:rowId xmlns:a16="http://schemas.microsoft.com/office/drawing/2014/main" val="2992891321"/>
-                  </a:ext>
-                </a:extLst>
-              </a:tr>
-              <a:tr h="370840">
-                <a:tc>
-                  <a:txBody>
-                    <a:bodyPr/>
-                    <a:lstStyle/>
-                    <a:p>
-                      <a:r>
-                        <a:rPr lang="en-ID" dirty="0" err="1"/>
-                        <a:t>Obat</a:t>
-                      </a:r>
-                      <a:r>
-                        <a:rPr lang="en-ID" dirty="0"/>
-                        <a:t> </a:t>
-                      </a:r>
-                      <a:r>
-                        <a:rPr lang="en-ID" dirty="0" err="1"/>
-                        <a:t>Generik</a:t>
+                        <a:t>GolonganObat</a:t>
                       </a:r>
                       <a:endParaRPr lang="en-ID" dirty="0"/>
                     </a:p>
@@ -10058,30 +10267,119 @@
                     <a:bodyPr/>
                     <a:lstStyle/>
                     <a:p>
+                      <a:pPr marL="0" marR="0" lvl="0" indent="0" algn="l" defTabSz="457200" rtl="0" eaLnBrk="1" fontAlgn="auto" latinLnBrk="0" hangingPunct="1">
+                        <a:lnSpc>
+                          <a:spcPct val="100000"/>
+                        </a:lnSpc>
+                        <a:spcBef>
+                          <a:spcPts val="0"/>
+                        </a:spcBef>
+                        <a:spcAft>
+                          <a:spcPts val="0"/>
+                        </a:spcAft>
+                        <a:buClrTx/>
+                        <a:buSzTx/>
+                        <a:buFontTx/>
+                        <a:buNone/>
+                        <a:tabLst/>
+                        <a:defRPr/>
+                      </a:pPr>
+                      <a:r>
+                        <a:rPr lang="en-ID" dirty="0"/>
+                        <a:t>POST, GET</a:t>
+                      </a:r>
+                    </a:p>
+                  </a:txBody>
+                  <a:tcPr/>
+                </a:tc>
+                <a:extLst>
+                  <a:ext uri="{0D108BD9-81ED-4DB2-BD59-A6C34878D82A}">
+                    <a16:rowId xmlns:a16="http://schemas.microsoft.com/office/drawing/2014/main" val="1443833913"/>
+                  </a:ext>
+                </a:extLst>
+              </a:tr>
+              <a:tr h="640080">
+                <a:tc vMerge="1">
+                  <a:txBody>
+                    <a:bodyPr/>
+                    <a:lstStyle/>
+                    <a:p>
+                      <a:endParaRPr lang="en-ID" dirty="0"/>
+                    </a:p>
+                  </a:txBody>
+                  <a:tcPr/>
+                </a:tc>
+                <a:tc>
+                  <a:txBody>
+                    <a:bodyPr/>
+                    <a:lstStyle/>
+                    <a:p>
+                      <a:pPr marL="0" marR="0" lvl="0" indent="0" algn="l" defTabSz="457200" rtl="0" eaLnBrk="1" fontAlgn="auto" latinLnBrk="0" hangingPunct="1">
+                        <a:lnSpc>
+                          <a:spcPct val="100000"/>
+                        </a:lnSpc>
+                        <a:spcBef>
+                          <a:spcPts val="0"/>
+                        </a:spcBef>
+                        <a:spcAft>
+                          <a:spcPts val="0"/>
+                        </a:spcAft>
+                        <a:buClrTx/>
+                        <a:buSzTx/>
+                        <a:buFontTx/>
+                        <a:buNone/>
+                        <a:tabLst/>
+                        <a:defRPr/>
+                      </a:pPr>
                       <a:r>
                         <a:rPr lang="en-ID" dirty="0"/>
                         <a:t>{{host}}/</a:t>
                       </a:r>
                       <a:r>
                         <a:rPr lang="en-ID" dirty="0" err="1"/>
-                        <a:t>Obat</a:t>
+                        <a:t>GolonganObat</a:t>
                       </a:r>
                       <a:r>
                         <a:rPr lang="en-ID" dirty="0"/>
-                        <a:t>/</a:t>
+                        <a:t>/{id}</a:t>
                       </a:r>
+                    </a:p>
+                  </a:txBody>
+                  <a:tcPr/>
+                </a:tc>
+                <a:tc>
+                  <a:txBody>
+                    <a:bodyPr/>
+                    <a:lstStyle/>
+                    <a:p>
+                      <a:pPr marL="0" marR="0" lvl="0" indent="0" algn="l" defTabSz="457200" rtl="0" eaLnBrk="1" fontAlgn="auto" latinLnBrk="0" hangingPunct="1">
+                        <a:lnSpc>
+                          <a:spcPct val="100000"/>
+                        </a:lnSpc>
+                        <a:spcBef>
+                          <a:spcPts val="0"/>
+                        </a:spcBef>
+                        <a:spcAft>
+                          <a:spcPts val="0"/>
+                        </a:spcAft>
+                        <a:buClrTx/>
+                        <a:buSzTx/>
+                        <a:buFontTx/>
+                        <a:buNone/>
+                        <a:tabLst/>
+                        <a:defRPr/>
+                      </a:pPr>
                       <a:r>
-                        <a:rPr lang="en-ID" dirty="0" err="1"/>
-                        <a:t>ObatGenerik</a:t>
+                        <a:rPr lang="en-ID" dirty="0"/>
+                        <a:t>GET, PATCH, DELETE</a:t>
                       </a:r>
-                      <a:endParaRPr lang="en-ID" dirty="0"/>
                     </a:p>
                   </a:txBody>
                   <a:tcPr/>
                 </a:tc>
                 <a:extLst>
                   <a:ext uri="{0D108BD9-81ED-4DB2-BD59-A6C34878D82A}">
-                    <a16:rowId xmlns:a16="http://schemas.microsoft.com/office/drawing/2014/main" val="463220845"/>
+                    <a16:rowId xmlns:a16="http://schemas.microsoft.com/office/drawing/2014/main" val="3843006791"/>
                   </a:ext>
                 </a:extLst>
               </a:tr>
@@ -10092,7 +10390,218 @@
     </p:spTree>
     <p:extLst>
       <p:ext uri="{BB962C8B-B14F-4D97-AF65-F5344CB8AC3E}">
-        <p14:creationId xmlns:p14="http://schemas.microsoft.com/office/powerpoint/2010/main" val="3448061311"/>
+        <p14:creationId xmlns:p14="http://schemas.microsoft.com/office/powerpoint/2010/main" val="1696209795"/>
+      </p:ext>
+    </p:extLst>
+  </p:cSld>
+  <p:clrMapOvr>
+    <a:masterClrMapping/>
+  </p:clrMapOvr>
+</p:sld>
+</file>
+
+<file path=ppt/slides/slide6.xml><?xml version="1.0" encoding="utf-8"?>
+<p:sld xmlns:a="http://schemas.openxmlformats.org/drawingml/2006/main" xmlns:r="http://schemas.openxmlformats.org/officeDocument/2006/relationships" xmlns:p="http://schemas.openxmlformats.org/presentationml/2006/main">
+  <p:cSld>
+    <p:spTree>
+      <p:nvGrpSpPr>
+        <p:cNvPr id="1" name=""/>
+        <p:cNvGrpSpPr/>
+        <p:nvPr/>
+      </p:nvGrpSpPr>
+      <p:grpSpPr>
+        <a:xfrm>
+          <a:off x="0" y="0"/>
+          <a:ext cx="0" cy="0"/>
+          <a:chOff x="0" y="0"/>
+          <a:chExt cx="0" cy="0"/>
+        </a:xfrm>
+      </p:grpSpPr>
+      <p:sp>
+        <p:nvSpPr>
+          <p:cNvPr id="2" name="Title 1">
+            <a:extLst>
+              <a:ext uri="{FF2B5EF4-FFF2-40B4-BE49-F238E27FC236}">
+                <a16:creationId xmlns:a16="http://schemas.microsoft.com/office/drawing/2014/main" id="{CA3F4D49-F898-4EB3-89E0-D60202AF751E}"/>
+              </a:ext>
+            </a:extLst>
+          </p:cNvPr>
+          <p:cNvSpPr>
+            <a:spLocks noGrp="1"/>
+          </p:cNvSpPr>
+          <p:nvPr>
+            <p:ph type="title"/>
+          </p:nvPr>
+        </p:nvSpPr>
+        <p:spPr/>
+        <p:txBody>
+          <a:bodyPr/>
+          <a:lstStyle/>
+          <a:p>
+            <a:r>
+              <a:rPr lang="en-ID" dirty="0"/>
+              <a:t>Swagger</a:t>
+            </a:r>
+          </a:p>
+        </p:txBody>
+      </p:sp>
+      <p:pic>
+        <p:nvPicPr>
+          <p:cNvPr id="4" name="Content Placeholder 3">
+            <a:extLst>
+              <a:ext uri="{FF2B5EF4-FFF2-40B4-BE49-F238E27FC236}">
+                <a16:creationId xmlns:a16="http://schemas.microsoft.com/office/drawing/2014/main" id="{C8ABCD33-F254-4FEA-8B16-2ED4E7CEB9A9}"/>
+              </a:ext>
+            </a:extLst>
+          </p:cNvPr>
+          <p:cNvPicPr>
+            <a:picLocks noGrp="1" noChangeAspect="1"/>
+          </p:cNvPicPr>
+          <p:nvPr>
+            <p:ph idx="1"/>
+          </p:nvPr>
+        </p:nvPicPr>
+        <p:blipFill rotWithShape="1">
+          <a:blip r:embed="rId2"/>
+          <a:srcRect b="5418"/>
+          <a:stretch/>
+        </p:blipFill>
+        <p:spPr>
+          <a:xfrm>
+            <a:off x="1343626" y="1330036"/>
+            <a:ext cx="10160988" cy="5403273"/>
+          </a:xfrm>
+          <a:prstGeom prst="rect">
+            <a:avLst/>
+          </a:prstGeom>
+        </p:spPr>
+      </p:pic>
+    </p:spTree>
+    <p:extLst>
+      <p:ext uri="{BB962C8B-B14F-4D97-AF65-F5344CB8AC3E}">
+        <p14:creationId xmlns:p14="http://schemas.microsoft.com/office/powerpoint/2010/main" val="2482810743"/>
+      </p:ext>
+    </p:extLst>
+  </p:cSld>
+  <p:clrMapOvr>
+    <a:masterClrMapping/>
+  </p:clrMapOvr>
+</p:sld>
+</file>
+
+<file path=ppt/slides/slide7.xml><?xml version="1.0" encoding="utf-8"?>
+<p:sld xmlns:a="http://schemas.openxmlformats.org/drawingml/2006/main" xmlns:r="http://schemas.openxmlformats.org/officeDocument/2006/relationships" xmlns:p="http://schemas.openxmlformats.org/presentationml/2006/main">
+  <p:cSld>
+    <p:spTree>
+      <p:nvGrpSpPr>
+        <p:cNvPr id="1" name=""/>
+        <p:cNvGrpSpPr/>
+        <p:nvPr/>
+      </p:nvGrpSpPr>
+      <p:grpSpPr>
+        <a:xfrm>
+          <a:off x="0" y="0"/>
+          <a:ext cx="0" cy="0"/>
+          <a:chOff x="0" y="0"/>
+          <a:chExt cx="0" cy="0"/>
+        </a:xfrm>
+      </p:grpSpPr>
+      <p:sp>
+        <p:nvSpPr>
+          <p:cNvPr id="2" name="Title 1">
+            <a:extLst>
+              <a:ext uri="{FF2B5EF4-FFF2-40B4-BE49-F238E27FC236}">
+                <a16:creationId xmlns:a16="http://schemas.microsoft.com/office/drawing/2014/main" id="{CA3F4D49-F898-4EB3-89E0-D60202AF751E}"/>
+              </a:ext>
+            </a:extLst>
+          </p:cNvPr>
+          <p:cNvSpPr>
+            <a:spLocks noGrp="1"/>
+          </p:cNvSpPr>
+          <p:nvPr>
+            <p:ph type="title"/>
+          </p:nvPr>
+        </p:nvSpPr>
+        <p:spPr/>
+        <p:txBody>
+          <a:bodyPr/>
+          <a:lstStyle/>
+          <a:p>
+            <a:r>
+              <a:rPr lang="en-ID" dirty="0"/>
+              <a:t>Code Project</a:t>
+            </a:r>
+          </a:p>
+        </p:txBody>
+      </p:sp>
+      <p:sp>
+        <p:nvSpPr>
+          <p:cNvPr id="5" name="Content Placeholder 4">
+            <a:extLst>
+              <a:ext uri="{FF2B5EF4-FFF2-40B4-BE49-F238E27FC236}">
+                <a16:creationId xmlns:a16="http://schemas.microsoft.com/office/drawing/2014/main" id="{34C3B91D-49BE-4217-8ABC-786A84C0C2E7}"/>
+              </a:ext>
+            </a:extLst>
+          </p:cNvPr>
+          <p:cNvSpPr>
+            <a:spLocks noGrp="1"/>
+          </p:cNvSpPr>
+          <p:nvPr>
+            <p:ph idx="1"/>
+          </p:nvPr>
+        </p:nvSpPr>
+        <p:spPr>
+          <a:xfrm>
+            <a:off x="1551709" y="1593273"/>
+            <a:ext cx="9952903" cy="4317949"/>
+          </a:xfrm>
+        </p:spPr>
+        <p:txBody>
+          <a:bodyPr/>
+          <a:lstStyle/>
+          <a:p>
+            <a:r>
+              <a:rPr lang="en-ID" dirty="0" err="1"/>
+              <a:t>SpringBoot</a:t>
+            </a:r>
+            <a:endParaRPr lang="en-ID" dirty="0"/>
+          </a:p>
+          <a:p>
+            <a:r>
+              <a:rPr lang="en-ID" dirty="0"/>
+              <a:t>JPA</a:t>
+            </a:r>
+          </a:p>
+          <a:p>
+            <a:r>
+              <a:rPr lang="en-ID" dirty="0"/>
+              <a:t>Database : MySQL</a:t>
+            </a:r>
+          </a:p>
+          <a:p>
+            <a:r>
+              <a:rPr lang="en-ID" dirty="0"/>
+              <a:t>Spring Security</a:t>
+            </a:r>
+          </a:p>
+          <a:p>
+            <a:r>
+              <a:rPr lang="en-ID" dirty="0"/>
+              <a:t>Unit Testing</a:t>
+            </a:r>
+          </a:p>
+          <a:p>
+            <a:r>
+              <a:rPr lang="en-ID" dirty="0"/>
+              <a:t>Deployment : AWS</a:t>
+            </a:r>
+          </a:p>
+        </p:txBody>
+      </p:sp>
+    </p:spTree>
+    <p:extLst>
+      <p:ext uri="{BB962C8B-B14F-4D97-AF65-F5344CB8AC3E}">
+        <p14:creationId xmlns:p14="http://schemas.microsoft.com/office/powerpoint/2010/main" val="551327805"/>
       </p:ext>
     </p:extLst>
   </p:cSld>

--- a/Informasi Spesialite Obat.pptx
+++ b/Informasi Spesialite Obat.pptx
@@ -306,7 +306,7 @@
           <a:p>
             <a:fld id="{2465B147-FE32-40EF-ADBD-C425682FCB59}" type="datetimeFigureOut">
               <a:rPr lang="en-ID" smtClean="0"/>
-              <a:t>19/05/2022</a:t>
+              <a:t>01/06/2022</a:t>
             </a:fld>
             <a:endParaRPr lang="en-ID"/>
           </a:p>
@@ -644,7 +644,7 @@
           <a:p>
             <a:fld id="{2465B147-FE32-40EF-ADBD-C425682FCB59}" type="datetimeFigureOut">
               <a:rPr lang="en-ID" smtClean="0"/>
-              <a:t>19/05/2022</a:t>
+              <a:t>01/06/2022</a:t>
             </a:fld>
             <a:endParaRPr lang="en-ID"/>
           </a:p>
@@ -1045,7 +1045,7 @@
           <a:p>
             <a:fld id="{2465B147-FE32-40EF-ADBD-C425682FCB59}" type="datetimeFigureOut">
               <a:rPr lang="en-ID" smtClean="0"/>
-              <a:t>19/05/2022</a:t>
+              <a:t>01/06/2022</a:t>
             </a:fld>
             <a:endParaRPr lang="en-ID"/>
           </a:p>
@@ -1381,7 +1381,7 @@
           <a:p>
             <a:fld id="{2465B147-FE32-40EF-ADBD-C425682FCB59}" type="datetimeFigureOut">
               <a:rPr lang="en-ID" smtClean="0"/>
-              <a:t>19/05/2022</a:t>
+              <a:t>01/06/2022</a:t>
             </a:fld>
             <a:endParaRPr lang="en-ID"/>
           </a:p>
@@ -1701,7 +1701,7 @@
           <a:p>
             <a:fld id="{2465B147-FE32-40EF-ADBD-C425682FCB59}" type="datetimeFigureOut">
               <a:rPr lang="en-ID" smtClean="0"/>
-              <a:t>19/05/2022</a:t>
+              <a:t>01/06/2022</a:t>
             </a:fld>
             <a:endParaRPr lang="en-ID"/>
           </a:p>
@@ -2097,7 +2097,7 @@
           <a:p>
             <a:fld id="{2465B147-FE32-40EF-ADBD-C425682FCB59}" type="datetimeFigureOut">
               <a:rPr lang="en-ID" smtClean="0"/>
-              <a:t>19/05/2022</a:t>
+              <a:t>01/06/2022</a:t>
             </a:fld>
             <a:endParaRPr lang="en-ID"/>
           </a:p>
@@ -2354,7 +2354,7 @@
           <a:p>
             <a:fld id="{2465B147-FE32-40EF-ADBD-C425682FCB59}" type="datetimeFigureOut">
               <a:rPr lang="en-ID" smtClean="0"/>
-              <a:t>19/05/2022</a:t>
+              <a:t>01/06/2022</a:t>
             </a:fld>
             <a:endParaRPr lang="en-ID"/>
           </a:p>
@@ -2616,7 +2616,7 @@
           <a:p>
             <a:fld id="{2465B147-FE32-40EF-ADBD-C425682FCB59}" type="datetimeFigureOut">
               <a:rPr lang="en-ID" smtClean="0"/>
-              <a:t>19/05/2022</a:t>
+              <a:t>01/06/2022</a:t>
             </a:fld>
             <a:endParaRPr lang="en-ID"/>
           </a:p>
@@ -2878,7 +2878,7 @@
           <a:p>
             <a:fld id="{2465B147-FE32-40EF-ADBD-C425682FCB59}" type="datetimeFigureOut">
               <a:rPr lang="en-ID" smtClean="0"/>
-              <a:t>19/05/2022</a:t>
+              <a:t>01/06/2022</a:t>
             </a:fld>
             <a:endParaRPr lang="en-ID"/>
           </a:p>
@@ -3207,7 +3207,7 @@
           <a:p>
             <a:fld id="{2465B147-FE32-40EF-ADBD-C425682FCB59}" type="datetimeFigureOut">
               <a:rPr lang="en-ID" smtClean="0"/>
-              <a:t>19/05/2022</a:t>
+              <a:t>01/06/2022</a:t>
             </a:fld>
             <a:endParaRPr lang="en-ID"/>
           </a:p>
@@ -3530,7 +3530,7 @@
           <a:p>
             <a:fld id="{2465B147-FE32-40EF-ADBD-C425682FCB59}" type="datetimeFigureOut">
               <a:rPr lang="en-ID" smtClean="0"/>
-              <a:t>19/05/2022</a:t>
+              <a:t>01/06/2022</a:t>
             </a:fld>
             <a:endParaRPr lang="en-ID"/>
           </a:p>
@@ -3987,7 +3987,7 @@
           <a:p>
             <a:fld id="{2465B147-FE32-40EF-ADBD-C425682FCB59}" type="datetimeFigureOut">
               <a:rPr lang="en-ID" smtClean="0"/>
-              <a:t>19/05/2022</a:t>
+              <a:t>01/06/2022</a:t>
             </a:fld>
             <a:endParaRPr lang="en-ID"/>
           </a:p>
@@ -4192,7 +4192,7 @@
           <a:p>
             <a:fld id="{2465B147-FE32-40EF-ADBD-C425682FCB59}" type="datetimeFigureOut">
               <a:rPr lang="en-ID" smtClean="0"/>
-              <a:t>19/05/2022</a:t>
+              <a:t>01/06/2022</a:t>
             </a:fld>
             <a:endParaRPr lang="en-ID"/>
           </a:p>
@@ -4369,7 +4369,7 @@
           <a:p>
             <a:fld id="{2465B147-FE32-40EF-ADBD-C425682FCB59}" type="datetimeFigureOut">
               <a:rPr lang="en-ID" smtClean="0"/>
-              <a:t>19/05/2022</a:t>
+              <a:t>01/06/2022</a:t>
             </a:fld>
             <a:endParaRPr lang="en-ID"/>
           </a:p>
@@ -4702,7 +4702,7 @@
           <a:p>
             <a:fld id="{2465B147-FE32-40EF-ADBD-C425682FCB59}" type="datetimeFigureOut">
               <a:rPr lang="en-ID" smtClean="0"/>
-              <a:t>19/05/2022</a:t>
+              <a:t>01/06/2022</a:t>
             </a:fld>
             <a:endParaRPr lang="en-ID"/>
           </a:p>
@@ -5047,7 +5047,7 @@
           <a:p>
             <a:fld id="{2465B147-FE32-40EF-ADBD-C425682FCB59}" type="datetimeFigureOut">
               <a:rPr lang="en-ID" smtClean="0"/>
-              <a:t>19/05/2022</a:t>
+              <a:t>01/06/2022</a:t>
             </a:fld>
             <a:endParaRPr lang="en-ID"/>
           </a:p>
@@ -7164,7 +7164,7 @@
           <a:p>
             <a:fld id="{2465B147-FE32-40EF-ADBD-C425682FCB59}" type="datetimeFigureOut">
               <a:rPr lang="en-ID" smtClean="0"/>
-              <a:t>19/05/2022</a:t>
+              <a:t>01/06/2022</a:t>
             </a:fld>
             <a:endParaRPr lang="en-ID"/>
           </a:p>
@@ -9521,10 +9521,10 @@
       </p:sp>
       <p:pic>
         <p:nvPicPr>
-          <p:cNvPr id="6" name="Content Placeholder 5">
+          <p:cNvPr id="7" name="Content Placeholder 6">
             <a:extLst>
               <a:ext uri="{FF2B5EF4-FFF2-40B4-BE49-F238E27FC236}">
-                <a16:creationId xmlns:a16="http://schemas.microsoft.com/office/drawing/2014/main" id="{CD759407-3189-41A7-9127-404FD337E2F2}"/>
+                <a16:creationId xmlns:a16="http://schemas.microsoft.com/office/drawing/2014/main" id="{3CE34956-643A-4AB5-A855-21C0C3E3BD31}"/>
               </a:ext>
             </a:extLst>
           </p:cNvPr>
@@ -9549,8 +9549,8 @@
         </p:blipFill>
         <p:spPr>
           <a:xfrm>
-            <a:off x="1551710" y="1340884"/>
-            <a:ext cx="8562108" cy="5321412"/>
+            <a:off x="301529" y="1373515"/>
+            <a:ext cx="11588942" cy="5124267"/>
           </a:xfrm>
         </p:spPr>
       </p:pic>
